--- a/Github_week_pres2.pptx
+++ b/Github_week_pres2.pptx
@@ -14,6 +14,22 @@
     <p:sldId id="262" r:id="rId8"/>
     <p:sldId id="263" r:id="rId9"/>
     <p:sldId id="264" r:id="rId10"/>
+    <p:sldId id="265" r:id="rId11"/>
+    <p:sldId id="266" r:id="rId12"/>
+    <p:sldId id="267" r:id="rId13"/>
+    <p:sldId id="268" r:id="rId14"/>
+    <p:sldId id="269" r:id="rId15"/>
+    <p:sldId id="270" r:id="rId16"/>
+    <p:sldId id="271" r:id="rId17"/>
+    <p:sldId id="272" r:id="rId18"/>
+    <p:sldId id="273" r:id="rId19"/>
+    <p:sldId id="274" r:id="rId20"/>
+    <p:sldId id="275" r:id="rId21"/>
+    <p:sldId id="276" r:id="rId22"/>
+    <p:sldId id="277" r:id="rId23"/>
+    <p:sldId id="278" r:id="rId24"/>
+    <p:sldId id="279" r:id="rId25"/>
+    <p:sldId id="280" r:id="rId26"/>
   </p:sldIdLst>
   <p:sldSz cx="9144000" cy="6858000" type="screen4x3"/>
   <p:notesSz cx="6858000" cy="9144000"/>
@@ -3225,11 +3241,1387 @@
             </a:pPr>
             <a:r>
               <a:rPr/>
-              <a:t>1/18/2021</a:t>
-            </a:r>
-          </a:p>
-        </p:txBody>
-      </p:sp>
+              <a:t>2021-01-28</a:t>
+            </a:r>
+          </a:p>
+        </p:txBody>
+      </p:sp>
+    </p:spTree>
+  </p:cSld>
+</p:sld>
+</file>
+
+<file path=ppt/slides/slide10.xml><?xml version="1.0" encoding="utf-8"?>
+<p:sld xmlns:a="http://schemas.openxmlformats.org/drawingml/2006/main" xmlns:r="http://schemas.openxmlformats.org/officeDocument/2006/relationships" xmlns:p="http://schemas.openxmlformats.org/presentationml/2006/main">
+  <p:cSld>
+    <p:spTree>
+      <p:nvGrpSpPr>
+        <p:cNvPr id="1" name=""/>
+        <p:cNvGrpSpPr/>
+        <p:nvPr/>
+      </p:nvGrpSpPr>
+      <p:grpSpPr>
+        <a:xfrm>
+          <a:off x="0" y="0"/>
+          <a:ext cx="0" cy="0"/>
+          <a:chOff x="0" y="0"/>
+          <a:chExt cx="0" cy="0"/>
+        </a:xfrm>
+      </p:grpSpPr>
+      <p:sp>
+        <p:nvSpPr>
+          <p:cNvPr id="2" name="Title 1"/>
+          <p:cNvSpPr>
+            <a:spLocks noGrp="1"/>
+          </p:cNvSpPr>
+          <p:nvPr>
+            <p:ph type="title"/>
+          </p:nvPr>
+        </p:nvSpPr>
+        <p:spPr/>
+        <p:txBody>
+          <a:bodyPr/>
+          <a:lstStyle/>
+          <a:p>
+            <a:pPr lvl="0" marL="0" indent="0">
+              <a:buNone/>
+            </a:pPr>
+            <a:r>
+              <a:rPr/>
+              <a:t>Go</a:t>
+            </a:r>
+            <a:r>
+              <a:rPr/>
+              <a:t> </a:t>
+            </a:r>
+            <a:r>
+              <a:rPr/>
+              <a:t>through</a:t>
+            </a:r>
+            <a:r>
+              <a:rPr/>
+              <a:t> </a:t>
+            </a:r>
+            <a:r>
+              <a:rPr/>
+              <a:t>a</a:t>
+            </a:r>
+            <a:r>
+              <a:rPr/>
+              <a:t> </a:t>
+            </a:r>
+            <a:r>
+              <a:rPr/>
+              <a:t>example</a:t>
+            </a:r>
+            <a:r>
+              <a:rPr/>
+              <a:t> </a:t>
+            </a:r>
+            <a:r>
+              <a:rPr/>
+              <a:t>using</a:t>
+            </a:r>
+            <a:r>
+              <a:rPr/>
+              <a:t> </a:t>
+            </a:r>
+            <a:r>
+              <a:rPr/>
+              <a:t>CH:</a:t>
+            </a:r>
+            <a:r>
+              <a:rPr/>
+              <a:t> </a:t>
+            </a:r>
+            <a:r>
+              <a:rPr/>
+              <a:t>18</a:t>
+            </a:r>
+          </a:p>
+        </p:txBody>
+      </p:sp>
+      <p:sp>
+        <p:nvSpPr>
+          <p:cNvPr id="3" name="Content Placeholder 2"/>
+          <p:cNvSpPr>
+            <a:spLocks noGrp="1"/>
+          </p:cNvSpPr>
+          <p:nvPr>
+            <p:ph idx="1"/>
+          </p:nvPr>
+        </p:nvSpPr>
+        <p:spPr/>
+        <p:txBody>
+          <a:bodyPr/>
+          <a:lstStyle/>
+          <a:p>
+            <a:pPr lvl="1"/>
+            <a:r>
+              <a:rPr/>
+              <a:t>In your </a:t>
+            </a:r>
+            <a:r>
+              <a:rPr i="1"/>
+              <a:t>myrepo</a:t>
+            </a:r>
+            <a:r>
+              <a:rPr/>
+              <a:t> repository, We will</a:t>
+            </a:r>
+          </a:p>
+          <a:p>
+            <a:pPr lvl="2"/>
+            <a:r>
+              <a:rPr/>
+              <a:t>Author an R Markdown document</a:t>
+            </a:r>
+          </a:p>
+          <a:p>
+            <a:pPr lvl="2"/>
+            <a:r>
+              <a:rPr/>
+              <a:t>Render it to a markdown file</a:t>
+            </a:r>
+          </a:p>
+          <a:p>
+            <a:pPr lvl="2"/>
+            <a:r>
+              <a:rPr/>
+              <a:t>Commit and push to GitHub</a:t>
+            </a:r>
+          </a:p>
+        </p:txBody>
+      </p:sp>
+    </p:spTree>
+  </p:cSld>
+</p:sld>
+</file>
+
+<file path=ppt/slides/slide11.xml><?xml version="1.0" encoding="utf-8"?>
+<p:sld xmlns:a="http://schemas.openxmlformats.org/drawingml/2006/main" xmlns:r="http://schemas.openxmlformats.org/officeDocument/2006/relationships" xmlns:p="http://schemas.openxmlformats.org/presentationml/2006/main">
+  <p:cSld>
+    <p:spTree>
+      <p:nvGrpSpPr>
+        <p:cNvPr id="1" name=""/>
+        <p:cNvGrpSpPr/>
+        <p:nvPr/>
+      </p:nvGrpSpPr>
+      <p:grpSpPr>
+        <a:xfrm>
+          <a:off x="0" y="0"/>
+          <a:ext cx="0" cy="0"/>
+          <a:chOff x="0" y="0"/>
+          <a:chExt cx="0" cy="0"/>
+        </a:xfrm>
+      </p:grpSpPr>
+      <p:sp>
+        <p:nvSpPr>
+          <p:cNvPr id="2" name="Title 1"/>
+          <p:cNvSpPr>
+            <a:spLocks noGrp="1"/>
+          </p:cNvSpPr>
+          <p:nvPr>
+            <p:ph type="title"/>
+          </p:nvPr>
+        </p:nvSpPr>
+        <p:spPr/>
+        <p:txBody>
+          <a:bodyPr/>
+          <a:lstStyle/>
+          <a:p>
+            <a:pPr lvl="0" marL="0" indent="0">
+              <a:buNone/>
+            </a:pPr>
+            <a:r>
+              <a:rPr/>
+              <a:t>Workflows</a:t>
+            </a:r>
+            <a:r>
+              <a:rPr/>
+              <a:t> </a:t>
+            </a:r>
+            <a:r>
+              <a:rPr/>
+              <a:t>-</a:t>
+            </a:r>
+            <a:r>
+              <a:rPr/>
+              <a:t> </a:t>
+            </a:r>
+            <a:r>
+              <a:rPr/>
+              <a:t>RMarkdown</a:t>
+            </a:r>
+          </a:p>
+        </p:txBody>
+      </p:sp>
+      <p:sp>
+        <p:nvSpPr>
+          <p:cNvPr id="3" name="Content Placeholder 2"/>
+          <p:cNvSpPr>
+            <a:spLocks noGrp="1"/>
+          </p:cNvSpPr>
+          <p:nvPr>
+            <p:ph idx="1"/>
+          </p:nvPr>
+        </p:nvSpPr>
+        <p:spPr/>
+        <p:txBody>
+          <a:bodyPr/>
+          <a:lstStyle/>
+          <a:p>
+            <a:pPr lvl="1">
+              <a:buAutoNum type="arabicPeriod"/>
+            </a:pPr>
+            <a:r>
+              <a:rPr/>
+              <a:t>Create a new R markdown file</a:t>
+            </a:r>
+          </a:p>
+          <a:p>
+            <a:pPr lvl="1">
+              <a:buAutoNum type="arabicPeriod"/>
+            </a:pPr>
+            <a:r>
+              <a:rPr/>
+              <a:t>Edit the output format</a:t>
+            </a:r>
+          </a:p>
+          <a:p>
+            <a:pPr lvl="1"/>
+            <a:r>
+              <a:rPr/>
+              <a:t>if using GitHub to host file, then set </a:t>
+            </a:r>
+            <a:r>
+              <a:rPr sz="1800">
+                <a:latin typeface="Courier"/>
+              </a:rPr>
+              <a:t>output: github_document</a:t>
+            </a:r>
+            <a:r>
+              <a:rPr/>
+              <a:t> or add a </a:t>
+            </a:r>
+            <a:r>
+              <a:rPr sz="1800">
+                <a:latin typeface="Courier"/>
+              </a:rPr>
+              <a:t>keep_md: true</a:t>
+            </a:r>
+          </a:p>
+          <a:p>
+            <a:pPr lvl="1"/>
+            <a:r>
+              <a:rPr/>
+              <a:t>By making </a:t>
+            </a:r>
+            <a:r>
+              <a:rPr sz="1800">
+                <a:latin typeface="Courier"/>
+              </a:rPr>
+              <a:t>foo.Rmd</a:t>
+            </a:r>
+            <a:r>
+              <a:rPr/>
+              <a:t> available, others can see and run your </a:t>
+            </a:r>
+            <a:r>
+              <a:rPr b="1"/>
+              <a:t>actual code</a:t>
+            </a:r>
+            <a:r>
+              <a:rPr/>
+              <a:t>.</a:t>
+            </a:r>
+          </a:p>
+          <a:p>
+            <a:pPr lvl="1"/>
+            <a:r>
+              <a:rPr/>
+              <a:t>By sharing </a:t>
+            </a:r>
+            <a:r>
+              <a:rPr sz="1800">
+                <a:latin typeface="Courier"/>
+              </a:rPr>
+              <a:t>foo.md</a:t>
+            </a:r>
+            <a:r>
+              <a:rPr/>
+              <a:t> and/or </a:t>
+            </a:r>
+            <a:r>
+              <a:rPr sz="1800">
+                <a:latin typeface="Courier"/>
+              </a:rPr>
+              <a:t>foo.html</a:t>
+            </a:r>
+            <a:r>
+              <a:rPr/>
+              <a:t>, others can casually browse your end product and decide if they even want to bother</a:t>
+            </a:r>
+          </a:p>
+          <a:p>
+            <a:pPr lvl="1">
+              <a:buAutoNum type="arabicPeriod"/>
+            </a:pPr>
+            <a:r>
+              <a:rPr/>
+              <a:t>Work on the report/document/presentation</a:t>
+            </a:r>
+          </a:p>
+          <a:p>
+            <a:pPr lvl="1"/>
+            <a:r>
+              <a:rPr/>
+              <a:t>Add code in chunks. Refine it. Add new chunks. Go crazy!</a:t>
+            </a:r>
+          </a:p>
+          <a:p>
+            <a:pPr lvl="1"/>
+            <a:r>
+              <a:rPr/>
+              <a:t>Keep running the code “manually” to make sure it works.</a:t>
+            </a:r>
+          </a:p>
+          <a:p>
+            <a:pPr lvl="1">
+              <a:buAutoNum type="arabicPeriod"/>
+            </a:pPr>
+            <a:r>
+              <a:rPr/>
+              <a:t>Save, then knit</a:t>
+            </a:r>
+          </a:p>
+          <a:p>
+            <a:pPr lvl="1">
+              <a:buAutoNum type="arabicPeriod"/>
+            </a:pPr>
+            <a:r>
+              <a:rPr/>
+              <a:t>Commit the files to GitHub (with a comment)</a:t>
+            </a:r>
+          </a:p>
+          <a:p>
+            <a:pPr lvl="1">
+              <a:buAutoNum type="arabicPeriod"/>
+            </a:pPr>
+            <a:r>
+              <a:rPr/>
+              <a:t>Push to your GitHub repository</a:t>
+            </a:r>
+          </a:p>
+          <a:p>
+            <a:pPr lvl="1">
+              <a:buAutoNum type="arabicPeriod"/>
+            </a:pPr>
+            <a:r>
+              <a:rPr/>
+              <a:t>View in GitHub</a:t>
+            </a:r>
+          </a:p>
+        </p:txBody>
+      </p:sp>
+    </p:spTree>
+  </p:cSld>
+</p:sld>
+</file>
+
+<file path=ppt/slides/slide12.xml><?xml version="1.0" encoding="utf-8"?>
+<p:sld xmlns:a="http://schemas.openxmlformats.org/drawingml/2006/main" xmlns:r="http://schemas.openxmlformats.org/officeDocument/2006/relationships" xmlns:p="http://schemas.openxmlformats.org/presentationml/2006/main">
+  <p:cSld>
+    <p:spTree>
+      <p:nvGrpSpPr>
+        <p:cNvPr id="1" name=""/>
+        <p:cNvGrpSpPr/>
+        <p:nvPr/>
+      </p:nvGrpSpPr>
+      <p:grpSpPr>
+        <a:xfrm>
+          <a:off x="0" y="0"/>
+          <a:ext cx="0" cy="0"/>
+          <a:chOff x="0" y="0"/>
+          <a:chExt cx="0" cy="0"/>
+        </a:xfrm>
+      </p:grpSpPr>
+      <p:sp>
+        <p:nvSpPr>
+          <p:cNvPr id="2" name="Title 1"/>
+          <p:cNvSpPr>
+            <a:spLocks noGrp="1"/>
+          </p:cNvSpPr>
+          <p:nvPr>
+            <p:ph type="title"/>
+          </p:nvPr>
+        </p:nvSpPr>
+        <p:spPr/>
+        <p:txBody>
+          <a:bodyPr/>
+          <a:lstStyle/>
+          <a:p>
+            <a:pPr lvl="0" marL="0" indent="0">
+              <a:buNone/>
+            </a:pPr>
+            <a:r>
+              <a:rPr/>
+              <a:t>Workflows</a:t>
+            </a:r>
+            <a:r>
+              <a:rPr/>
+              <a:t> </a:t>
+            </a:r>
+            <a:r>
+              <a:rPr/>
+              <a:t>-</a:t>
+            </a:r>
+            <a:r>
+              <a:rPr/>
+              <a:t> </a:t>
+            </a:r>
+            <a:r>
+              <a:rPr/>
+              <a:t>Fork</a:t>
+            </a:r>
+            <a:r>
+              <a:rPr/>
+              <a:t> </a:t>
+            </a:r>
+            <a:r>
+              <a:rPr/>
+              <a:t>and</a:t>
+            </a:r>
+            <a:r>
+              <a:rPr/>
+              <a:t> </a:t>
+            </a:r>
+            <a:r>
+              <a:rPr/>
+              <a:t>Clone</a:t>
+            </a:r>
+          </a:p>
+        </p:txBody>
+      </p:sp>
+      <p:sp>
+        <p:nvSpPr>
+          <p:cNvPr id="3" name="Content Placeholder 2"/>
+          <p:cNvSpPr>
+            <a:spLocks noGrp="1"/>
+          </p:cNvSpPr>
+          <p:nvPr>
+            <p:ph idx="1"/>
+          </p:nvPr>
+        </p:nvSpPr>
+        <p:spPr/>
+        <p:txBody>
+          <a:bodyPr/>
+          <a:lstStyle/>
+          <a:p>
+            <a:pPr lvl="1"/>
+            <a:r>
+              <a:rPr/>
+              <a:t>You know how to clone, commit, push, and pull from a repo you created in GitHub</a:t>
+            </a:r>
+          </a:p>
+          <a:p>
+            <a:pPr lvl="1"/>
+            <a:r>
+              <a:rPr/>
+              <a:t>But how do you clone and edit someone else’s repository when collaborating</a:t>
+            </a:r>
+          </a:p>
+          <a:p>
+            <a:pPr lvl="0" marL="0" indent="0">
+              <a:spcBef>
+                <a:spcPts val="3000"/>
+              </a:spcBef>
+              <a:buNone/>
+            </a:pPr>
+            <a:r>
+              <a:rPr b="1"/>
+              <a:t>Fork and Clone!</a:t>
+            </a:r>
+          </a:p>
+        </p:txBody>
+      </p:sp>
+    </p:spTree>
+  </p:cSld>
+</p:sld>
+</file>
+
+<file path=ppt/slides/slide13.xml><?xml version="1.0" encoding="utf-8"?>
+<p:sld xmlns:a="http://schemas.openxmlformats.org/drawingml/2006/main" xmlns:r="http://schemas.openxmlformats.org/officeDocument/2006/relationships" xmlns:p="http://schemas.openxmlformats.org/presentationml/2006/main">
+  <p:cSld>
+    <p:spTree>
+      <p:nvGrpSpPr>
+        <p:cNvPr id="1" name=""/>
+        <p:cNvGrpSpPr/>
+        <p:nvPr/>
+      </p:nvGrpSpPr>
+      <p:grpSpPr>
+        <a:xfrm>
+          <a:off x="0" y="0"/>
+          <a:ext cx="0" cy="0"/>
+          <a:chOff x="0" y="0"/>
+          <a:chExt cx="0" cy="0"/>
+        </a:xfrm>
+      </p:grpSpPr>
+      <p:sp>
+        <p:nvSpPr>
+          <p:cNvPr id="2" name="Title 1"/>
+          <p:cNvSpPr>
+            <a:spLocks noGrp="1"/>
+          </p:cNvSpPr>
+          <p:nvPr>
+            <p:ph type="title"/>
+          </p:nvPr>
+        </p:nvSpPr>
+        <p:spPr/>
+        <p:txBody>
+          <a:bodyPr/>
+          <a:lstStyle/>
+          <a:p>
+            <a:pPr lvl="0" marL="0" indent="0">
+              <a:buNone/>
+            </a:pPr>
+            <a:r>
+              <a:rPr/>
+              <a:t>Workflows</a:t>
+            </a:r>
+            <a:r>
+              <a:rPr/>
+              <a:t> </a:t>
+            </a:r>
+            <a:r>
+              <a:rPr/>
+              <a:t>-</a:t>
+            </a:r>
+            <a:r>
+              <a:rPr/>
+              <a:t> </a:t>
+            </a:r>
+            <a:r>
+              <a:rPr/>
+              <a:t>Fork</a:t>
+            </a:r>
+            <a:r>
+              <a:rPr/>
+              <a:t> </a:t>
+            </a:r>
+            <a:r>
+              <a:rPr/>
+              <a:t>and</a:t>
+            </a:r>
+            <a:r>
+              <a:rPr/>
+              <a:t> </a:t>
+            </a:r>
+            <a:r>
+              <a:rPr/>
+              <a:t>Clone</a:t>
+            </a:r>
+          </a:p>
+        </p:txBody>
+      </p:sp>
+      <p:sp>
+        <p:nvSpPr>
+          <p:cNvPr id="3" name="Content Placeholder 2"/>
+          <p:cNvSpPr>
+            <a:spLocks noGrp="1"/>
+          </p:cNvSpPr>
+          <p:nvPr>
+            <p:ph idx="1"/>
+          </p:nvPr>
+        </p:nvSpPr>
+        <p:spPr/>
+        <p:txBody>
+          <a:bodyPr/>
+          <a:lstStyle/>
+          <a:p>
+            <a:pPr lvl="1"/>
+            <a:r>
+              <a:rPr/>
+              <a:t>In GitHub, navigate to the repo of interest</a:t>
+            </a:r>
+          </a:p>
+          <a:p>
+            <a:pPr lvl="1"/>
+            <a:r>
+              <a:rPr/>
+              <a:t>Click </a:t>
+            </a:r>
+            <a:r>
+              <a:rPr b="1"/>
+              <a:t>Fork</a:t>
+            </a:r>
+            <a:r>
+              <a:rPr/>
+              <a:t> (in the upper right hand corner)</a:t>
+            </a:r>
+          </a:p>
+          <a:p>
+            <a:pPr lvl="1"/>
+            <a:r>
+              <a:rPr/>
+              <a:t>This creates a repo in your GitHub account</a:t>
+            </a:r>
+          </a:p>
+          <a:p>
+            <a:pPr lvl="1"/>
+            <a:r>
+              <a:rPr b="1"/>
+              <a:t>Clone</a:t>
+            </a:r>
+            <a:r>
+              <a:rPr/>
+              <a:t> the forked repo (aka your copy of the repo) into your GitHub remote to your local computer</a:t>
+            </a:r>
+          </a:p>
+          <a:p>
+            <a:pPr lvl="2"/>
+            <a:r>
+              <a:rPr/>
+              <a:t>We have done this before</a:t>
+            </a:r>
+          </a:p>
+        </p:txBody>
+      </p:sp>
+    </p:spTree>
+  </p:cSld>
+</p:sld>
+</file>
+
+<file path=ppt/slides/slide14.xml><?xml version="1.0" encoding="utf-8"?>
+<p:sld xmlns:a="http://schemas.openxmlformats.org/drawingml/2006/main" xmlns:r="http://schemas.openxmlformats.org/officeDocument/2006/relationships" xmlns:p="http://schemas.openxmlformats.org/presentationml/2006/main">
+  <p:cSld>
+    <p:spTree>
+      <p:nvGrpSpPr>
+        <p:cNvPr id="1" name=""/>
+        <p:cNvGrpSpPr/>
+        <p:nvPr/>
+      </p:nvGrpSpPr>
+      <p:grpSpPr>
+        <a:xfrm>
+          <a:off x="0" y="0"/>
+          <a:ext cx="0" cy="0"/>
+          <a:chOff x="0" y="0"/>
+          <a:chExt cx="0" cy="0"/>
+        </a:xfrm>
+      </p:grpSpPr>
+      <p:pic>
+        <p:nvPicPr>
+          <p:cNvPr descr="pres_figs/fork_and_clone.png" id="0" name="Picture 1"/>
+          <p:cNvPicPr>
+            <a:picLocks noGrp="1" noChangeAspect="1"/>
+          </p:cNvPicPr>
+          <p:nvPr/>
+        </p:nvPicPr>
+        <p:blipFill>
+          <a:blip r:embed="rId2"/>
+          <a:stretch>
+            <a:fillRect/>
+          </a:stretch>
+        </p:blipFill>
+        <p:spPr bwMode="auto">
+          <a:xfrm>
+            <a:off x="558800" y="1600200"/>
+            <a:ext cx="8039100" cy="4521200"/>
+          </a:xfrm>
+          <a:prstGeom prst="rect">
+            <a:avLst/>
+          </a:prstGeom>
+          <a:noFill/>
+          <a:ln w="9525">
+            <a:noFill/>
+            <a:headEnd/>
+            <a:tailEnd/>
+          </a:ln>
+        </p:spPr>
+      </p:pic>
+    </p:spTree>
+  </p:cSld>
+</p:sld>
+</file>
+
+<file path=ppt/slides/slide15.xml><?xml version="1.0" encoding="utf-8"?>
+<p:sld xmlns:a="http://schemas.openxmlformats.org/drawingml/2006/main" xmlns:r="http://schemas.openxmlformats.org/officeDocument/2006/relationships" xmlns:p="http://schemas.openxmlformats.org/presentationml/2006/main">
+  <p:cSld>
+    <p:spTree>
+      <p:nvGrpSpPr>
+        <p:cNvPr id="1" name=""/>
+        <p:cNvGrpSpPr/>
+        <p:nvPr/>
+      </p:nvGrpSpPr>
+      <p:grpSpPr>
+        <a:xfrm>
+          <a:off x="0" y="0"/>
+          <a:ext cx="0" cy="0"/>
+          <a:chOff x="0" y="0"/>
+          <a:chExt cx="0" cy="0"/>
+        </a:xfrm>
+      </p:grpSpPr>
+      <p:sp>
+        <p:nvSpPr>
+          <p:cNvPr id="2" name="Title 1"/>
+          <p:cNvSpPr>
+            <a:spLocks noGrp="1"/>
+          </p:cNvSpPr>
+          <p:nvPr>
+            <p:ph type="title"/>
+          </p:nvPr>
+        </p:nvSpPr>
+        <p:spPr/>
+        <p:txBody>
+          <a:bodyPr/>
+          <a:lstStyle/>
+          <a:p>
+            <a:pPr lvl="0" marL="0" indent="0">
+              <a:buNone/>
+            </a:pPr>
+            <a:r>
+              <a:rPr/>
+              <a:t>Workflows</a:t>
+            </a:r>
+            <a:r>
+              <a:rPr/>
+              <a:t> </a:t>
+            </a:r>
+            <a:r>
+              <a:rPr/>
+              <a:t>-</a:t>
+            </a:r>
+            <a:r>
+              <a:rPr/>
+              <a:t> </a:t>
+            </a:r>
+            <a:r>
+              <a:rPr/>
+              <a:t>fork</a:t>
+            </a:r>
+            <a:r>
+              <a:rPr/>
+              <a:t> </a:t>
+            </a:r>
+            <a:r>
+              <a:rPr/>
+              <a:t>and</a:t>
+            </a:r>
+            <a:r>
+              <a:rPr/>
+              <a:t> </a:t>
+            </a:r>
+            <a:r>
+              <a:rPr/>
+              <a:t>clone</a:t>
+            </a:r>
+          </a:p>
+        </p:txBody>
+      </p:sp>
+      <p:sp>
+        <p:nvSpPr>
+          <p:cNvPr id="3" name="Content Placeholder 2"/>
+          <p:cNvSpPr>
+            <a:spLocks noGrp="1"/>
+          </p:cNvSpPr>
+          <p:nvPr>
+            <p:ph idx="1"/>
+          </p:nvPr>
+        </p:nvSpPr>
+        <p:spPr/>
+        <p:txBody>
+          <a:bodyPr/>
+          <a:lstStyle/>
+          <a:p>
+            <a:pPr lvl="1"/>
+            <a:r>
+              <a:rPr/>
+              <a:t>Now you can engage with the new repo</a:t>
+            </a:r>
+          </a:p>
+          <a:p>
+            <a:pPr lvl="1"/>
+            <a:r>
+              <a:rPr/>
+              <a:t>If you want the owner of the original repo to add your work, submit a </a:t>
+            </a:r>
+            <a:r>
+              <a:rPr i="1"/>
+              <a:t>pull request</a:t>
+            </a:r>
+          </a:p>
+          <a:p>
+            <a:pPr lvl="2"/>
+            <a:r>
+              <a:rPr i="1"/>
+              <a:t>pull request</a:t>
+            </a:r>
+            <a:r>
+              <a:rPr/>
+              <a:t> - you are requesting that they pull in your work</a:t>
+            </a:r>
+          </a:p>
+          <a:p>
+            <a:pPr lvl="1"/>
+            <a:r>
+              <a:rPr b="1"/>
+              <a:t>BUT</a:t>
+            </a:r>
+          </a:p>
+          <a:p>
+            <a:pPr lvl="0" marL="0" indent="0">
+              <a:spcBef>
+                <a:spcPts val="3000"/>
+              </a:spcBef>
+              <a:buNone/>
+            </a:pPr>
+            <a:r>
+              <a:rPr b="1"/>
+              <a:t>Dont mess with the </a:t>
+            </a:r>
+            <a:r>
+              <a:rPr sz="1800" b="1">
+                <a:latin typeface="Courier"/>
+              </a:rPr>
+              <a:t>master</a:t>
+            </a:r>
+            <a:r>
+              <a:rPr b="1"/>
+              <a:t>!</a:t>
+            </a:r>
+          </a:p>
+          <a:p>
+            <a:pPr lvl="1"/>
+            <a:r>
+              <a:rPr/>
+              <a:t>Work in a new branch!</a:t>
+            </a:r>
+          </a:p>
+          <a:p>
+            <a:pPr lvl="1"/>
+            <a:r>
+              <a:rPr/>
+              <a:t>Do not make commits to the master of a repo that you forked</a:t>
+            </a:r>
+          </a:p>
+          <a:p>
+            <a:pPr lvl="1"/>
+            <a:r>
+              <a:rPr/>
+              <a:t>The owner of the repo will be happier to recieve a </a:t>
+            </a:r>
+            <a:r>
+              <a:rPr i="1"/>
+              <a:t>pull request</a:t>
+            </a:r>
+            <a:r>
+              <a:rPr/>
+              <a:t> from a non-master branch</a:t>
+            </a:r>
+          </a:p>
+        </p:txBody>
+      </p:sp>
+    </p:spTree>
+  </p:cSld>
+</p:sld>
+</file>
+
+<file path=ppt/slides/slide16.xml><?xml version="1.0" encoding="utf-8"?>
+<p:sld xmlns:a="http://schemas.openxmlformats.org/drawingml/2006/main" xmlns:r="http://schemas.openxmlformats.org/officeDocument/2006/relationships" xmlns:p="http://schemas.openxmlformats.org/presentationml/2006/main">
+  <p:cSld>
+    <p:spTree>
+      <p:nvGrpSpPr>
+        <p:cNvPr id="1" name=""/>
+        <p:cNvGrpSpPr/>
+        <p:nvPr/>
+      </p:nvGrpSpPr>
+      <p:grpSpPr>
+        <a:xfrm>
+          <a:off x="0" y="0"/>
+          <a:ext cx="0" cy="0"/>
+          <a:chOff x="0" y="0"/>
+          <a:chExt cx="0" cy="0"/>
+        </a:xfrm>
+      </p:grpSpPr>
+      <p:pic>
+        <p:nvPicPr>
+          <p:cNvPr descr="pres_figs/fork-no-upstream-sad.png" id="0" name="Picture 1"/>
+          <p:cNvPicPr>
+            <a:picLocks noGrp="1" noChangeAspect="1"/>
+          </p:cNvPicPr>
+          <p:nvPr/>
+        </p:nvPicPr>
+        <p:blipFill>
+          <a:blip r:embed="rId2"/>
+          <a:stretch>
+            <a:fillRect/>
+          </a:stretch>
+        </p:blipFill>
+        <p:spPr bwMode="auto">
+          <a:xfrm>
+            <a:off x="1003300" y="1600200"/>
+            <a:ext cx="7137400" cy="4013200"/>
+          </a:xfrm>
+          <a:prstGeom prst="rect">
+            <a:avLst/>
+          </a:prstGeom>
+          <a:noFill/>
+          <a:ln w="9525">
+            <a:noFill/>
+            <a:headEnd/>
+            <a:tailEnd/>
+          </a:ln>
+        </p:spPr>
+      </p:pic>
+      <p:sp>
+        <p:nvSpPr>
+          <p:cNvPr id="1" name="TextBox 3"/>
+          <p:cNvSpPr txBox="1"/>
+          <p:nvPr/>
+        </p:nvSpPr>
+        <p:spPr>
+          <a:xfrm>
+            <a:off x="457200" y="5613400"/>
+            <a:ext cx="8229600" cy="508000"/>
+          </a:xfrm>
+          <a:prstGeom prst="rect">
+            <a:avLst/>
+          </a:prstGeom>
+          <a:noFill/>
+        </p:spPr>
+        <p:txBody>
+          <a:bodyPr/>
+          <a:lstStyle/>
+          <a:p>
+            <a:pPr lvl="0" marL="0" indent="0" algn="ctr">
+              <a:buNone/>
+            </a:pPr>
+            <a:r>
+              <a:rPr/>
+              <a:t>You</a:t>
+            </a:r>
+            <a:r>
+              <a:rPr/>
+              <a:t> </a:t>
+            </a:r>
+            <a:r>
+              <a:rPr/>
+              <a:t>are</a:t>
+            </a:r>
+            <a:r>
+              <a:rPr/>
+              <a:t> </a:t>
+            </a:r>
+            <a:r>
+              <a:rPr/>
+              <a:t>now</a:t>
+            </a:r>
+            <a:r>
+              <a:rPr/>
+              <a:t> </a:t>
+            </a:r>
+            <a:r>
+              <a:rPr/>
+              <a:t>here</a:t>
+            </a:r>
+          </a:p>
+        </p:txBody>
+      </p:sp>
+    </p:spTree>
+  </p:cSld>
+</p:sld>
+</file>
+
+<file path=ppt/slides/slide17.xml><?xml version="1.0" encoding="utf-8"?>
+<p:sld xmlns:a="http://schemas.openxmlformats.org/drawingml/2006/main" xmlns:r="http://schemas.openxmlformats.org/officeDocument/2006/relationships" xmlns:p="http://schemas.openxmlformats.org/presentationml/2006/main">
+  <p:cSld>
+    <p:spTree>
+      <p:nvGrpSpPr>
+        <p:cNvPr id="1" name=""/>
+        <p:cNvGrpSpPr/>
+        <p:nvPr/>
+      </p:nvGrpSpPr>
+      <p:grpSpPr>
+        <a:xfrm>
+          <a:off x="0" y="0"/>
+          <a:ext cx="0" cy="0"/>
+          <a:chOff x="0" y="0"/>
+          <a:chExt cx="0" cy="0"/>
+        </a:xfrm>
+      </p:grpSpPr>
+      <p:sp>
+        <p:nvSpPr>
+          <p:cNvPr id="2" name="Title 1"/>
+          <p:cNvSpPr>
+            <a:spLocks noGrp="1"/>
+          </p:cNvSpPr>
+          <p:nvPr>
+            <p:ph type="title"/>
+          </p:nvPr>
+        </p:nvSpPr>
+        <p:spPr/>
+        <p:txBody>
+          <a:bodyPr/>
+          <a:lstStyle/>
+          <a:p>
+            <a:pPr lvl="0" marL="0" indent="0">
+              <a:buNone/>
+            </a:pPr>
+            <a:r>
+              <a:rPr/>
+              <a:t>Workflows</a:t>
+            </a:r>
+            <a:r>
+              <a:rPr/>
+              <a:t> </a:t>
+            </a:r>
+            <a:r>
+              <a:rPr/>
+              <a:t>-</a:t>
+            </a:r>
+            <a:r>
+              <a:rPr/>
+              <a:t> </a:t>
+            </a:r>
+            <a:r>
+              <a:rPr/>
+              <a:t>fork</a:t>
+            </a:r>
+            <a:r>
+              <a:rPr/>
+              <a:t> </a:t>
+            </a:r>
+            <a:r>
+              <a:rPr/>
+              <a:t>and</a:t>
+            </a:r>
+            <a:r>
+              <a:rPr/>
+              <a:t> </a:t>
+            </a:r>
+            <a:r>
+              <a:rPr/>
+              <a:t>clone</a:t>
+            </a:r>
+          </a:p>
+        </p:txBody>
+      </p:sp>
+      <p:sp>
+        <p:nvSpPr>
+          <p:cNvPr id="3" name="Content Placeholder 2"/>
+          <p:cNvSpPr>
+            <a:spLocks noGrp="1"/>
+          </p:cNvSpPr>
+          <p:nvPr>
+            <p:ph idx="1"/>
+          </p:nvPr>
+        </p:nvSpPr>
+        <p:spPr/>
+        <p:txBody>
+          <a:bodyPr/>
+          <a:lstStyle/>
+          <a:p>
+            <a:pPr lvl="1"/>
+            <a:r>
+              <a:rPr/>
+              <a:t>In order to keep your copied repo up-to-date, you need to get the upstream changes</a:t>
+            </a:r>
+          </a:p>
+          <a:p>
+            <a:pPr lvl="1"/>
+            <a:r>
+              <a:rPr/>
+              <a:t>This will need to be done in the terminal</a:t>
+            </a:r>
+          </a:p>
+          <a:p>
+            <a:pPr lvl="1"/>
+            <a:r>
+              <a:rPr/>
+              <a:t>First, list your remotes</a:t>
+            </a:r>
+          </a:p>
+          <a:p>
+            <a:pPr lvl="2"/>
+            <a:r>
+              <a:rPr/>
+              <a:t>Let’s inspect </a:t>
+            </a:r>
+            <a:r>
+              <a:rPr/>
+              <a:t>the current remotes</a:t>
+            </a:r>
+            <a:r>
+              <a:rPr/>
+              <a:t> for your local repo. In the shell (Appendix @ref(shell)):</a:t>
+            </a:r>
+          </a:p>
+          <a:p>
+            <a:pPr lvl="0" marL="1270000" indent="0">
+              <a:buNone/>
+            </a:pPr>
+            <a:r>
+              <a:rPr sz="1800">
+                <a:solidFill>
+                  <a:srgbClr val="06287E"/>
+                </a:solidFill>
+                <a:latin typeface="Courier"/>
+              </a:rPr>
+              <a:t>git</a:t>
+            </a:r>
+            <a:r>
+              <a:rPr sz="1800">
+                <a:latin typeface="Courier"/>
+              </a:rPr>
+              <a:t> remote -v</a:t>
+            </a:r>
+          </a:p>
+          <a:p>
+            <a:pPr lvl="1"/>
+            <a:r>
+              <a:rPr/>
+              <a:t>We need to add the </a:t>
+            </a:r>
+            <a:r>
+              <a:rPr sz="1800">
+                <a:latin typeface="Courier"/>
+              </a:rPr>
+              <a:t>upstream</a:t>
+            </a:r>
+            <a:r>
+              <a:rPr/>
+              <a:t> remote</a:t>
+            </a:r>
+          </a:p>
+        </p:txBody>
+      </p:sp>
+    </p:spTree>
+  </p:cSld>
+</p:sld>
+</file>
+
+<file path=ppt/slides/slide18.xml><?xml version="1.0" encoding="utf-8"?>
+<p:sld xmlns:a="http://schemas.openxmlformats.org/drawingml/2006/main" xmlns:r="http://schemas.openxmlformats.org/officeDocument/2006/relationships" xmlns:p="http://schemas.openxmlformats.org/presentationml/2006/main">
+  <p:cSld>
+    <p:spTree>
+      <p:nvGrpSpPr>
+        <p:cNvPr id="1" name=""/>
+        <p:cNvGrpSpPr/>
+        <p:nvPr/>
+      </p:nvGrpSpPr>
+      <p:grpSpPr>
+        <a:xfrm>
+          <a:off x="0" y="0"/>
+          <a:ext cx="0" cy="0"/>
+          <a:chOff x="0" y="0"/>
+          <a:chExt cx="0" cy="0"/>
+        </a:xfrm>
+      </p:grpSpPr>
+      <p:sp>
+        <p:nvSpPr>
+          <p:cNvPr id="2" name="Title 1"/>
+          <p:cNvSpPr>
+            <a:spLocks noGrp="1"/>
+          </p:cNvSpPr>
+          <p:nvPr>
+            <p:ph type="title"/>
+          </p:nvPr>
+        </p:nvSpPr>
+        <p:spPr/>
+        <p:txBody>
+          <a:bodyPr/>
+          <a:lstStyle/>
+          <a:p>
+            <a:pPr lvl="0" marL="0" indent="0">
+              <a:buNone/>
+            </a:pPr>
+            <a:r>
+              <a:rPr/>
+              <a:t>Workflows</a:t>
+            </a:r>
+            <a:r>
+              <a:rPr/>
+              <a:t> </a:t>
+            </a:r>
+            <a:r>
+              <a:rPr/>
+              <a:t>-</a:t>
+            </a:r>
+            <a:r>
+              <a:rPr/>
+              <a:t> </a:t>
+            </a:r>
+            <a:r>
+              <a:rPr/>
+              <a:t>upstream</a:t>
+            </a:r>
+            <a:r>
+              <a:rPr/>
+              <a:t> </a:t>
+            </a:r>
+            <a:r>
+              <a:rPr/>
+              <a:t>remote</a:t>
+            </a:r>
+          </a:p>
+        </p:txBody>
+      </p:sp>
+      <p:sp>
+        <p:nvSpPr>
+          <p:cNvPr id="3" name="Content Placeholder 2"/>
+          <p:cNvSpPr>
+            <a:spLocks noGrp="1"/>
+          </p:cNvSpPr>
+          <p:nvPr>
+            <p:ph idx="1"/>
+          </p:nvPr>
+        </p:nvSpPr>
+        <p:spPr/>
+        <p:txBody>
+          <a:bodyPr/>
+          <a:lstStyle/>
+          <a:p>
+            <a:pPr lvl="1"/>
+            <a:r>
+              <a:rPr/>
+              <a:t>Let us add </a:t>
+            </a:r>
+            <a:r>
+              <a:rPr sz="1800">
+                <a:latin typeface="Courier"/>
+              </a:rPr>
+              <a:t>OWNER/REPO</a:t>
+            </a:r>
+            <a:r>
+              <a:rPr/>
+              <a:t> as the </a:t>
+            </a:r>
+            <a:r>
+              <a:rPr sz="1800">
+                <a:latin typeface="Courier"/>
+              </a:rPr>
+              <a:t>upstream</a:t>
+            </a:r>
+            <a:r>
+              <a:rPr/>
+              <a:t> remote.</a:t>
+            </a:r>
+          </a:p>
+          <a:p>
+            <a:pPr lvl="1"/>
+            <a:r>
+              <a:rPr/>
+              <a:t>On </a:t>
+            </a:r>
+            <a:r>
+              <a:rPr>
+                <a:hlinkClick r:id="rId2"/>
+              </a:rPr>
+              <a:t>GitHub</a:t>
+            </a:r>
+            <a:r>
+              <a:rPr/>
+              <a:t>, make sure you are signed in and navigate to the original repo, </a:t>
+            </a:r>
+            <a:r>
+              <a:rPr sz="1800">
+                <a:latin typeface="Courier"/>
+              </a:rPr>
+              <a:t>OWNER/REPO</a:t>
+            </a:r>
+            <a:r>
+              <a:rPr/>
+              <a:t>. It is easy to get to from your fork, </a:t>
+            </a:r>
+            <a:r>
+              <a:rPr sz="1800">
+                <a:latin typeface="Courier"/>
+              </a:rPr>
+              <a:t>YOU/REPO</a:t>
+            </a:r>
+            <a:r>
+              <a:rPr/>
+              <a:t>, via “forked from” links near the top.</a:t>
+            </a:r>
+          </a:p>
+          <a:p>
+            <a:pPr lvl="1"/>
+            <a:r>
+              <a:rPr/>
+              <a:t>Use the big green “Clone or download” button to get the URL for </a:t>
+            </a:r>
+            <a:r>
+              <a:rPr sz="1800">
+                <a:latin typeface="Courier"/>
+              </a:rPr>
+              <a:t>OWNER/REPO</a:t>
+            </a:r>
+            <a:r>
+              <a:rPr/>
+              <a:t> on your clipboard. Be intentional about whether you copy the HTTPS or SSH URL.</a:t>
+            </a:r>
+          </a:p>
+          <a:p>
+            <a:pPr lvl="1"/>
+            <a:r>
+              <a:rPr/>
+              <a:t>Now, click on “New Branch” in the Git pane.</a:t>
+            </a:r>
+          </a:p>
+        </p:txBody>
+      </p:sp>
+    </p:spTree>
+  </p:cSld>
+</p:sld>
+</file>
+
+<file path=ppt/slides/slide19.xml><?xml version="1.0" encoding="utf-8"?>
+<p:sld xmlns:a="http://schemas.openxmlformats.org/drawingml/2006/main" xmlns:r="http://schemas.openxmlformats.org/officeDocument/2006/relationships" xmlns:p="http://schemas.openxmlformats.org/presentationml/2006/main">
+  <p:cSld>
+    <p:spTree>
+      <p:nvGrpSpPr>
+        <p:cNvPr id="1" name=""/>
+        <p:cNvGrpSpPr/>
+        <p:nvPr/>
+      </p:nvGrpSpPr>
+      <p:grpSpPr>
+        <a:xfrm>
+          <a:off x="0" y="0"/>
+          <a:ext cx="0" cy="0"/>
+          <a:chOff x="0" y="0"/>
+          <a:chExt cx="0" cy="0"/>
+        </a:xfrm>
+      </p:grpSpPr>
+      <p:pic>
+        <p:nvPicPr>
+          <p:cNvPr descr="pres_figs/git_in_rstuido.png" id="0" name="Picture 1"/>
+          <p:cNvPicPr>
+            <a:picLocks noGrp="1" noChangeAspect="1"/>
+          </p:cNvPicPr>
+          <p:nvPr/>
+        </p:nvPicPr>
+        <p:blipFill>
+          <a:blip r:embed="rId2"/>
+          <a:stretch>
+            <a:fillRect/>
+          </a:stretch>
+        </p:blipFill>
+        <p:spPr bwMode="auto">
+          <a:xfrm>
+            <a:off x="457200" y="1739900"/>
+            <a:ext cx="8229600" cy="4254500"/>
+          </a:xfrm>
+          <a:prstGeom prst="rect">
+            <a:avLst/>
+          </a:prstGeom>
+          <a:noFill/>
+          <a:ln w="9525">
+            <a:noFill/>
+            <a:headEnd/>
+            <a:tailEnd/>
+          </a:ln>
+        </p:spPr>
+      </p:pic>
     </p:spTree>
   </p:cSld>
 </p:sld>
@@ -3298,6 +4690,772 @@
             <a:r>
               <a:rPr/>
               <a:t>Welcome to Version Control week!</a:t>
+            </a:r>
+          </a:p>
+        </p:txBody>
+      </p:sp>
+    </p:spTree>
+  </p:cSld>
+</p:sld>
+</file>
+
+<file path=ppt/slides/slide20.xml><?xml version="1.0" encoding="utf-8"?>
+<p:sld xmlns:a="http://schemas.openxmlformats.org/drawingml/2006/main" xmlns:r="http://schemas.openxmlformats.org/officeDocument/2006/relationships" xmlns:p="http://schemas.openxmlformats.org/presentationml/2006/main">
+  <p:cSld>
+    <p:spTree>
+      <p:nvGrpSpPr>
+        <p:cNvPr id="1" name=""/>
+        <p:cNvGrpSpPr/>
+        <p:nvPr/>
+      </p:nvGrpSpPr>
+      <p:grpSpPr>
+        <a:xfrm>
+          <a:off x="0" y="0"/>
+          <a:ext cx="0" cy="0"/>
+          <a:chOff x="0" y="0"/>
+          <a:chExt cx="0" cy="0"/>
+        </a:xfrm>
+      </p:grpSpPr>
+      <p:sp>
+        <p:nvSpPr>
+          <p:cNvPr id="3" name="Content Placeholder 2"/>
+          <p:cNvSpPr>
+            <a:spLocks noGrp="1"/>
+          </p:cNvSpPr>
+          <p:nvPr>
+            <p:ph idx="1"/>
+          </p:nvPr>
+        </p:nvSpPr>
+        <p:spPr/>
+        <p:txBody>
+          <a:bodyPr/>
+          <a:lstStyle/>
+          <a:p>
+            <a:pPr lvl="1"/>
+            <a:r>
+              <a:rPr/>
+              <a:t>Click “Add Remote”</a:t>
+            </a:r>
+          </a:p>
+          <a:p>
+            <a:pPr lvl="2"/>
+            <a:r>
+              <a:rPr/>
+              <a:t>Enter </a:t>
+            </a:r>
+            <a:r>
+              <a:rPr sz="1800">
+                <a:latin typeface="Courier"/>
+              </a:rPr>
+              <a:t>upstream</a:t>
+            </a:r>
+            <a:r>
+              <a:rPr/>
+              <a:t> as the remote name</a:t>
+            </a:r>
+          </a:p>
+          <a:p>
+            <a:pPr lvl="2"/>
+            <a:r>
+              <a:rPr/>
+              <a:t>paste the URL for </a:t>
+            </a:r>
+            <a:r>
+              <a:rPr sz="1800">
+                <a:latin typeface="Courier"/>
+              </a:rPr>
+              <a:t>OWNER/REPO</a:t>
+            </a:r>
+            <a:r>
+              <a:rPr/>
+              <a:t> that you got from GitHub.</a:t>
+            </a:r>
+          </a:p>
+          <a:p>
+            <a:pPr lvl="2"/>
+            <a:r>
+              <a:rPr/>
+              <a:t>Click “Add”.</a:t>
+            </a:r>
+          </a:p>
+          <a:p>
+            <a:pPr lvl="2"/>
+            <a:r>
+              <a:rPr/>
+              <a:t>Decline the opportunity to add a new branch by clicking “Cancel”.</a:t>
+            </a:r>
+          </a:p>
+          <a:p>
+            <a:pPr lvl="1"/>
+            <a:r>
+              <a:rPr/>
+              <a:t>The nickname </a:t>
+            </a:r>
+            <a:r>
+              <a:rPr sz="1800">
+                <a:latin typeface="Courier"/>
+              </a:rPr>
+              <a:t>upstream</a:t>
+            </a:r>
+            <a:r>
+              <a:rPr/>
+              <a:t> can technically be whatever you want, however, there is a strong tradition of using </a:t>
+            </a:r>
+            <a:r>
+              <a:rPr sz="1800">
+                <a:latin typeface="Courier"/>
+              </a:rPr>
+              <a:t>upstream</a:t>
+            </a:r>
+          </a:p>
+        </p:txBody>
+      </p:sp>
+    </p:spTree>
+  </p:cSld>
+</p:sld>
+</file>
+
+<file path=ppt/slides/slide21.xml><?xml version="1.0" encoding="utf-8"?>
+<p:sld xmlns:a="http://schemas.openxmlformats.org/drawingml/2006/main" xmlns:r="http://schemas.openxmlformats.org/officeDocument/2006/relationships" xmlns:p="http://schemas.openxmlformats.org/presentationml/2006/main">
+  <p:cSld>
+    <p:spTree>
+      <p:nvGrpSpPr>
+        <p:cNvPr id="1" name=""/>
+        <p:cNvGrpSpPr/>
+        <p:nvPr/>
+      </p:nvGrpSpPr>
+      <p:grpSpPr>
+        <a:xfrm>
+          <a:off x="0" y="0"/>
+          <a:ext cx="0" cy="0"/>
+          <a:chOff x="0" y="0"/>
+          <a:chExt cx="0" cy="0"/>
+        </a:xfrm>
+      </p:grpSpPr>
+      <p:sp>
+        <p:nvSpPr>
+          <p:cNvPr id="2" name="Title 1"/>
+          <p:cNvSpPr>
+            <a:spLocks noGrp="1"/>
+          </p:cNvSpPr>
+          <p:nvPr>
+            <p:ph type="title"/>
+          </p:nvPr>
+        </p:nvSpPr>
+        <p:spPr/>
+        <p:txBody>
+          <a:bodyPr/>
+          <a:lstStyle/>
+          <a:p>
+            <a:pPr lvl="0" marL="0" indent="0">
+              <a:buNone/>
+            </a:pPr>
+            <a:r>
+              <a:rPr/>
+              <a:t>Workflows</a:t>
+            </a:r>
+            <a:r>
+              <a:rPr/>
+              <a:t> </a:t>
+            </a:r>
+            <a:r>
+              <a:rPr/>
+              <a:t>-</a:t>
+            </a:r>
+            <a:r>
+              <a:rPr/>
+              <a:t> </a:t>
+            </a:r>
+            <a:r>
+              <a:rPr/>
+              <a:t>verify</a:t>
+            </a:r>
+            <a:r>
+              <a:rPr/>
+              <a:t> </a:t>
+            </a:r>
+            <a:r>
+              <a:rPr/>
+              <a:t>upstream</a:t>
+            </a:r>
+            <a:r>
+              <a:rPr/>
+              <a:t> </a:t>
+            </a:r>
+            <a:r>
+              <a:rPr/>
+              <a:t>remote</a:t>
+            </a:r>
+          </a:p>
+        </p:txBody>
+      </p:sp>
+      <p:sp>
+        <p:nvSpPr>
+          <p:cNvPr id="3" name="Content Placeholder 2"/>
+          <p:cNvSpPr>
+            <a:spLocks noGrp="1"/>
+          </p:cNvSpPr>
+          <p:nvPr>
+            <p:ph idx="1"/>
+          </p:nvPr>
+        </p:nvSpPr>
+        <p:spPr/>
+        <p:txBody>
+          <a:bodyPr/>
+          <a:lstStyle/>
+          <a:p>
+            <a:pPr lvl="0" marL="0" indent="0">
+              <a:buNone/>
+            </a:pPr>
+            <a:r>
+              <a:rPr/>
+              <a:t>Let’s inspect </a:t>
+            </a:r>
+            <a:r>
+              <a:rPr/>
+              <a:t>the current remotes</a:t>
+            </a:r>
+            <a:r>
+              <a:rPr/>
+              <a:t> for your local repo AGAIN. In the shell:</a:t>
+            </a:r>
+          </a:p>
+          <a:p>
+            <a:pPr lvl="0" marL="1270000" indent="0">
+              <a:buNone/>
+            </a:pPr>
+            <a:r>
+              <a:rPr sz="1800">
+                <a:solidFill>
+                  <a:srgbClr val="06287E"/>
+                </a:solidFill>
+                <a:latin typeface="Courier"/>
+              </a:rPr>
+              <a:t>git</a:t>
+            </a:r>
+            <a:r>
+              <a:rPr sz="1800">
+                <a:latin typeface="Courier"/>
+              </a:rPr>
+              <a:t> remote -v</a:t>
+            </a:r>
+          </a:p>
+          <a:p>
+            <a:pPr lvl="0" marL="0" indent="0">
+              <a:buNone/>
+            </a:pPr>
+            <a:r>
+              <a:rPr/>
+              <a:t>Now you should see something like</a:t>
+            </a:r>
+          </a:p>
+          <a:p>
+            <a:pPr lvl="0" marL="1270000" indent="0">
+              <a:buNone/>
+            </a:pPr>
+            <a:r>
+              <a:rPr sz="1800">
+                <a:latin typeface="Courier"/>
+              </a:rPr>
+              <a:t>origin    https://github.com/YOU/REPO.git (fetch)</a:t>
+            </a:r>
+            <a:br/>
+            <a:r>
+              <a:rPr sz="1800">
+                <a:latin typeface="Courier"/>
+              </a:rPr>
+              <a:t>origin    https://github.com/YOU/REPO.git (push)</a:t>
+            </a:r>
+            <a:br/>
+            <a:r>
+              <a:rPr sz="1800">
+                <a:latin typeface="Courier"/>
+              </a:rPr>
+              <a:t>upstream  https://github.com/OWNER/REPO.git (fetch)</a:t>
+            </a:r>
+            <a:br/>
+            <a:r>
+              <a:rPr sz="1800">
+                <a:latin typeface="Courier"/>
+              </a:rPr>
+              <a:t>upstream  https://github.com/OWNER/REPO.git (push)</a:t>
+            </a:r>
+          </a:p>
+          <a:p>
+            <a:pPr lvl="0" marL="0" indent="0">
+              <a:buNone/>
+            </a:pPr>
+            <a:r>
+              <a:rPr/>
+              <a:t>Notice the second remote, named </a:t>
+            </a:r>
+            <a:r>
+              <a:rPr sz="1800">
+                <a:latin typeface="Courier"/>
+              </a:rPr>
+              <a:t>upstream</a:t>
+            </a:r>
+            <a:r>
+              <a:rPr/>
+              <a:t>, corresponding to the original repo on GitHub. We have gotten to this:</a:t>
+            </a:r>
+          </a:p>
+        </p:txBody>
+      </p:sp>
+    </p:spTree>
+  </p:cSld>
+</p:sld>
+</file>
+
+<file path=ppt/slides/slide22.xml><?xml version="1.0" encoding="utf-8"?>
+<p:sld xmlns:a="http://schemas.openxmlformats.org/drawingml/2006/main" xmlns:r="http://schemas.openxmlformats.org/officeDocument/2006/relationships" xmlns:p="http://schemas.openxmlformats.org/presentationml/2006/main">
+  <p:cSld>
+    <p:spTree>
+      <p:nvGrpSpPr>
+        <p:cNvPr id="1" name=""/>
+        <p:cNvGrpSpPr/>
+        <p:nvPr/>
+      </p:nvGrpSpPr>
+      <p:grpSpPr>
+        <a:xfrm>
+          <a:off x="0" y="0"/>
+          <a:ext cx="0" cy="0"/>
+          <a:chOff x="0" y="0"/>
+          <a:chExt cx="0" cy="0"/>
+        </a:xfrm>
+      </p:grpSpPr>
+      <p:pic>
+        <p:nvPicPr>
+          <p:cNvPr descr="pres_figs/fork-triangle-happy.png" id="0" name="Picture 1"/>
+          <p:cNvPicPr>
+            <a:picLocks noGrp="1" noChangeAspect="1"/>
+          </p:cNvPicPr>
+          <p:nvPr/>
+        </p:nvPicPr>
+        <p:blipFill>
+          <a:blip r:embed="rId2"/>
+          <a:stretch>
+            <a:fillRect/>
+          </a:stretch>
+        </p:blipFill>
+        <p:spPr bwMode="auto">
+          <a:xfrm>
+            <a:off x="558800" y="1600200"/>
+            <a:ext cx="8039100" cy="4521200"/>
+          </a:xfrm>
+          <a:prstGeom prst="rect">
+            <a:avLst/>
+          </a:prstGeom>
+          <a:noFill/>
+          <a:ln w="9525">
+            <a:noFill/>
+            <a:headEnd/>
+            <a:tailEnd/>
+          </a:ln>
+        </p:spPr>
+      </p:pic>
+    </p:spTree>
+  </p:cSld>
+</p:sld>
+</file>
+
+<file path=ppt/slides/slide23.xml><?xml version="1.0" encoding="utf-8"?>
+<p:sld xmlns:a="http://schemas.openxmlformats.org/drawingml/2006/main" xmlns:r="http://schemas.openxmlformats.org/officeDocument/2006/relationships" xmlns:p="http://schemas.openxmlformats.org/presentationml/2006/main">
+  <p:cSld>
+    <p:spTree>
+      <p:nvGrpSpPr>
+        <p:cNvPr id="1" name=""/>
+        <p:cNvGrpSpPr/>
+        <p:nvPr/>
+      </p:nvGrpSpPr>
+      <p:grpSpPr>
+        <a:xfrm>
+          <a:off x="0" y="0"/>
+          <a:ext cx="0" cy="0"/>
+          <a:chOff x="0" y="0"/>
+          <a:chExt cx="0" cy="0"/>
+        </a:xfrm>
+      </p:grpSpPr>
+      <p:sp>
+        <p:nvSpPr>
+          <p:cNvPr id="2" name="Title 1"/>
+          <p:cNvSpPr>
+            <a:spLocks noGrp="1"/>
+          </p:cNvSpPr>
+          <p:nvPr>
+            <p:ph type="title"/>
+          </p:nvPr>
+        </p:nvSpPr>
+        <p:spPr/>
+        <p:txBody>
+          <a:bodyPr/>
+          <a:lstStyle/>
+          <a:p>
+            <a:pPr lvl="0" marL="0" indent="0">
+              <a:buNone/>
+            </a:pPr>
+            <a:r>
+              <a:rPr/>
+              <a:t>Pull</a:t>
+            </a:r>
+            <a:r>
+              <a:rPr/>
+              <a:t> </a:t>
+            </a:r>
+            <a:r>
+              <a:rPr/>
+              <a:t>changes</a:t>
+            </a:r>
+            <a:r>
+              <a:rPr/>
+              <a:t> </a:t>
+            </a:r>
+            <a:r>
+              <a:rPr/>
+              <a:t>from</a:t>
+            </a:r>
+            <a:r>
+              <a:rPr/>
+              <a:t> </a:t>
+            </a:r>
+            <a:r>
+              <a:rPr sz="1800">
+                <a:latin typeface="Courier"/>
+              </a:rPr>
+              <a:t>upstream</a:t>
+            </a:r>
+          </a:p>
+        </p:txBody>
+      </p:sp>
+      <p:sp>
+        <p:nvSpPr>
+          <p:cNvPr id="3" name="Content Placeholder 2"/>
+          <p:cNvSpPr>
+            <a:spLocks noGrp="1"/>
+          </p:cNvSpPr>
+          <p:nvPr>
+            <p:ph idx="1"/>
+          </p:nvPr>
+        </p:nvSpPr>
+        <p:spPr/>
+        <p:txBody>
+          <a:bodyPr/>
+          <a:lstStyle/>
+          <a:p>
+            <a:pPr lvl="0" marL="0" indent="0">
+              <a:buNone/>
+            </a:pPr>
+            <a:r>
+              <a:rPr/>
+              <a:t>Now we can pull the changes that we don’t have from </a:t>
+            </a:r>
+            <a:r>
+              <a:rPr sz="1800">
+                <a:latin typeface="Courier"/>
+              </a:rPr>
+              <a:t>OWNER/REPO</a:t>
+            </a:r>
+            <a:r>
+              <a:rPr/>
+              <a:t> into our local copy.</a:t>
+            </a:r>
+          </a:p>
+          <a:p>
+            <a:pPr lvl="0" marL="1270000" indent="0">
+              <a:buNone/>
+            </a:pPr>
+            <a:r>
+              <a:rPr sz="1800">
+                <a:solidFill>
+                  <a:srgbClr val="06287E"/>
+                </a:solidFill>
+                <a:latin typeface="Courier"/>
+              </a:rPr>
+              <a:t>git</a:t>
+            </a:r>
+            <a:r>
+              <a:rPr sz="1800">
+                <a:latin typeface="Courier"/>
+              </a:rPr>
+              <a:t> pull upstream master --ff-only</a:t>
+            </a:r>
+          </a:p>
+          <a:p>
+            <a:pPr lvl="1"/>
+            <a:r>
+              <a:rPr/>
+              <a:t>This says: “pull the changes from the remote known as </a:t>
+            </a:r>
+            <a:r>
+              <a:rPr sz="1800">
+                <a:latin typeface="Courier"/>
+              </a:rPr>
+              <a:t>upstream</a:t>
+            </a:r>
+            <a:r>
+              <a:rPr/>
+              <a:t> into the </a:t>
+            </a:r>
+            <a:r>
+              <a:rPr sz="1800">
+                <a:latin typeface="Courier"/>
+              </a:rPr>
+              <a:t>master</a:t>
+            </a:r>
+            <a:r>
+              <a:rPr/>
+              <a:t> branch of my local repo”.</a:t>
+            </a:r>
+          </a:p>
+          <a:p>
+            <a:pPr lvl="2"/>
+            <a:r>
+              <a:rPr/>
+              <a:t>We are being explicit about the remote and the branch in this case, because the </a:t>
+            </a:r>
+            <a:r>
+              <a:rPr sz="1800">
+                <a:latin typeface="Courier"/>
+              </a:rPr>
+              <a:t>upstream/master</a:t>
+            </a:r>
+            <a:r>
+              <a:rPr/>
+              <a:t> is </a:t>
+            </a:r>
+            <a:r>
+              <a:rPr b="1"/>
+              <a:t>not</a:t>
+            </a:r>
+            <a:r>
+              <a:rPr/>
+              <a:t> the default tracking branch for local </a:t>
+            </a:r>
+            <a:r>
+              <a:rPr sz="1800">
+                <a:latin typeface="Courier"/>
+              </a:rPr>
+              <a:t>master</a:t>
+            </a:r>
+            <a:r>
+              <a:rPr/>
+              <a:t>.</a:t>
+            </a:r>
+          </a:p>
+          <a:p>
+            <a:pPr lvl="1"/>
+            <a:r>
+              <a:rPr/>
+              <a:t>I </a:t>
+            </a:r>
+            <a:r>
+              <a:rPr b="1"/>
+              <a:t>highly recommend</a:t>
+            </a:r>
+            <a:r>
+              <a:rPr/>
+              <a:t> using the </a:t>
+            </a:r>
+            <a:r>
+              <a:rPr sz="1800">
+                <a:latin typeface="Courier"/>
+              </a:rPr>
+              <a:t>--ff-only</a:t>
+            </a:r>
+            <a:r>
+              <a:rPr/>
+              <a:t> flag</a:t>
+            </a:r>
+          </a:p>
+        </p:txBody>
+      </p:sp>
+    </p:spTree>
+  </p:cSld>
+</p:sld>
+</file>
+
+<file path=ppt/slides/slide24.xml><?xml version="1.0" encoding="utf-8"?>
+<p:sld xmlns:a="http://schemas.openxmlformats.org/drawingml/2006/main" xmlns:r="http://schemas.openxmlformats.org/officeDocument/2006/relationships" xmlns:p="http://schemas.openxmlformats.org/presentationml/2006/main">
+  <p:cSld>
+    <p:spTree>
+      <p:nvGrpSpPr>
+        <p:cNvPr id="1" name=""/>
+        <p:cNvGrpSpPr/>
+        <p:nvPr/>
+      </p:nvGrpSpPr>
+      <p:grpSpPr>
+        <a:xfrm>
+          <a:off x="0" y="0"/>
+          <a:ext cx="0" cy="0"/>
+          <a:chOff x="0" y="0"/>
+          <a:chExt cx="0" cy="0"/>
+        </a:xfrm>
+      </p:grpSpPr>
+      <p:sp>
+        <p:nvSpPr>
+          <p:cNvPr id="2" name="Title 1"/>
+          <p:cNvSpPr>
+            <a:spLocks noGrp="1"/>
+          </p:cNvSpPr>
+          <p:nvPr>
+            <p:ph type="title"/>
+          </p:nvPr>
+        </p:nvSpPr>
+        <p:spPr/>
+        <p:txBody>
+          <a:bodyPr/>
+          <a:lstStyle/>
+          <a:p>
+            <a:pPr lvl="0" marL="0" indent="0">
+              <a:buNone/>
+            </a:pPr>
+            <a:r>
+              <a:rPr/>
+              <a:t>Those</a:t>
+            </a:r>
+            <a:r>
+              <a:rPr/>
+              <a:t> </a:t>
+            </a:r>
+            <a:r>
+              <a:rPr/>
+              <a:t>are</a:t>
+            </a:r>
+            <a:r>
+              <a:rPr/>
+              <a:t> </a:t>
+            </a:r>
+            <a:r>
+              <a:rPr/>
+              <a:t>the</a:t>
+            </a:r>
+            <a:r>
+              <a:rPr/>
+              <a:t> </a:t>
+            </a:r>
+            <a:r>
+              <a:rPr/>
+              <a:t>basics</a:t>
+            </a:r>
+            <a:r>
+              <a:rPr/>
+              <a:t> </a:t>
+            </a:r>
+            <a:r>
+              <a:rPr/>
+              <a:t>in</a:t>
+            </a:r>
+            <a:r>
+              <a:rPr/>
+              <a:t> </a:t>
+            </a:r>
+            <a:r>
+              <a:rPr/>
+              <a:t>Git,</a:t>
+            </a:r>
+            <a:r>
+              <a:rPr/>
+              <a:t> </a:t>
+            </a:r>
+            <a:r>
+              <a:rPr/>
+              <a:t>GitHub,</a:t>
+            </a:r>
+            <a:r>
+              <a:rPr/>
+              <a:t> </a:t>
+            </a:r>
+            <a:r>
+              <a:rPr/>
+              <a:t>and</a:t>
+            </a:r>
+            <a:r>
+              <a:rPr/>
+              <a:t> </a:t>
+            </a:r>
+            <a:r>
+              <a:rPr/>
+              <a:t>RStudio</a:t>
+            </a:r>
+          </a:p>
+        </p:txBody>
+      </p:sp>
+      <p:sp>
+        <p:nvSpPr>
+          <p:cNvPr id="3" name="Content Placeholder 2"/>
+          <p:cNvSpPr>
+            <a:spLocks noGrp="1"/>
+          </p:cNvSpPr>
+          <p:nvPr>
+            <p:ph idx="1"/>
+          </p:nvPr>
+        </p:nvSpPr>
+        <p:spPr/>
+        <p:txBody>
+          <a:bodyPr/>
+          <a:lstStyle/>
+          <a:p>
+            <a:pPr lvl="0" marL="0" indent="0">
+              <a:buNone/>
+            </a:pPr>
+            <a:r>
+              <a:rPr/>
+              <a:t>Now lets get to work on an exercise!</a:t>
+            </a:r>
+          </a:p>
+        </p:txBody>
+      </p:sp>
+    </p:spTree>
+  </p:cSld>
+</p:sld>
+</file>
+
+<file path=ppt/slides/slide25.xml><?xml version="1.0" encoding="utf-8"?>
+<p:sld xmlns:a="http://schemas.openxmlformats.org/drawingml/2006/main" xmlns:r="http://schemas.openxmlformats.org/officeDocument/2006/relationships" xmlns:p="http://schemas.openxmlformats.org/presentationml/2006/main">
+  <p:cSld>
+    <p:spTree>
+      <p:nvGrpSpPr>
+        <p:cNvPr id="1" name=""/>
+        <p:cNvGrpSpPr/>
+        <p:nvPr/>
+      </p:nvGrpSpPr>
+      <p:grpSpPr>
+        <a:xfrm>
+          <a:off x="0" y="0"/>
+          <a:ext cx="0" cy="0"/>
+          <a:chOff x="0" y="0"/>
+          <a:chExt cx="0" cy="0"/>
+        </a:xfrm>
+      </p:grpSpPr>
+      <p:sp>
+        <p:nvSpPr>
+          <p:cNvPr id="2" name="Title 1"/>
+          <p:cNvSpPr>
+            <a:spLocks noGrp="1"/>
+          </p:cNvSpPr>
+          <p:nvPr>
+            <p:ph type="title"/>
+          </p:nvPr>
+        </p:nvSpPr>
+        <p:spPr/>
+        <p:txBody>
+          <a:bodyPr/>
+          <a:lstStyle/>
+          <a:p>
+            <a:pPr lvl="0" marL="0" indent="0">
+              <a:buNone/>
+            </a:pPr>
+            <a:r>
+              <a:rPr/>
+              <a:t>Class</a:t>
+            </a:r>
+            <a:r>
+              <a:rPr/>
+              <a:t> </a:t>
+            </a:r>
+            <a:r>
+              <a:rPr/>
+              <a:t>exercise</a:t>
             </a:r>
           </a:p>
         </p:txBody>
@@ -3732,39 +5890,47 @@
             </a:pPr>
             <a:r>
               <a:rPr/>
-              <a:t>Chapter</a:t>
-            </a:r>
-            <a:r>
-              <a:rPr/>
-              <a:t> </a:t>
-            </a:r>
-            <a:r>
-              <a:rPr/>
-              <a:t>18:</a:t>
-            </a:r>
-            <a:r>
-              <a:rPr/>
-              <a:t> </a:t>
-            </a:r>
-            <a:r>
-              <a:rPr/>
-              <a:t>Test</a:t>
-            </a:r>
-            <a:r>
-              <a:rPr/>
-              <a:t> </a:t>
-            </a:r>
-            <a:r>
-              <a:rPr/>
-              <a:t>drive</a:t>
-            </a:r>
-            <a:r>
-              <a:rPr/>
-              <a:t> </a:t>
-            </a:r>
-            <a:r>
-              <a:rPr/>
-              <a:t>in</a:t>
+              <a:t>Git/GitHub</a:t>
+            </a:r>
+            <a:r>
+              <a:rPr/>
+              <a:t> </a:t>
+            </a:r>
+            <a:r>
+              <a:rPr/>
+              <a:t>and</a:t>
+            </a:r>
+            <a:r>
+              <a:rPr/>
+              <a:t> </a:t>
+            </a:r>
+            <a:r>
+              <a:rPr/>
+              <a:t>RStudio</a:t>
+            </a:r>
+            <a:r>
+              <a:rPr/>
+              <a:t> </a:t>
+            </a:r>
+            <a:r>
+              <a:rPr/>
+              <a:t>is</a:t>
+            </a:r>
+            <a:r>
+              <a:rPr/>
+              <a:t> </a:t>
+            </a:r>
+            <a:r>
+              <a:rPr/>
+              <a:t>suited</a:t>
+            </a:r>
+            <a:r>
+              <a:rPr/>
+              <a:t> </a:t>
+            </a:r>
+            <a:r>
+              <a:rPr/>
+              <a:t>to</a:t>
             </a:r>
             <a:r>
               <a:rPr/>
@@ -3782,6 +5948,30 @@
               <a:rPr/>
               <a:t>Markdown</a:t>
             </a:r>
+            <a:r>
+              <a:rPr/>
+              <a:t> </a:t>
+            </a:r>
+            <a:r>
+              <a:rPr/>
+              <a:t>file</a:t>
+            </a:r>
+            <a:r>
+              <a:rPr/>
+              <a:t> </a:t>
+            </a:r>
+            <a:r>
+              <a:rPr/>
+              <a:t>for</a:t>
+            </a:r>
+            <a:r>
+              <a:rPr/>
+              <a:t> </a:t>
+            </a:r>
+            <a:r>
+              <a:rPr/>
+              <a:t>reports</a:t>
+            </a:r>
           </a:p>
         </p:txBody>
       </p:sp>
@@ -3811,13 +6001,6 @@
             <a:r>
               <a:rPr/>
               <a:t>However, version control with GitHub and RStudio is suited for using R and RMarkdown files</a:t>
-            </a:r>
-          </a:p>
-          <a:p>
-            <a:pPr lvl="1"/>
-            <a:r>
-              <a:rPr/>
-              <a:t>I will run through CH18 to show you how it works</a:t>
             </a:r>
           </a:p>
           <a:p>
@@ -3897,7 +6080,7 @@
             </a:r>
             <a:r>
               <a:rPr/>
-              <a:t>can</a:t>
+              <a:t>else</a:t>
             </a:r>
             <a:r>
               <a:rPr/>
